--- a/2019-02-19_Lightning_Talks/2019-02-19_SqliteChalenges.pptx
+++ b/2019-02-19_Lightning_Talks/2019-02-19_SqliteChalenges.pptx
@@ -10472,8 +10472,8 @@
         </p:nvSpPr>
         <p:spPr>
           <a:xfrm>
-            <a:off x="810001" y="2438187"/>
-            <a:ext cx="10655893" cy="3710162"/>
+            <a:off x="810001" y="2438186"/>
+            <a:ext cx="10655893" cy="4178513"/>
           </a:xfrm>
         </p:spPr>
         <p:txBody>
@@ -10523,7 +10523,7 @@
             </a:r>
             <a:r>
               <a:rPr lang="en-US" sz="2000" dirty="0"/>
-              <a:t> net framework 4.6</a:t>
+              <a:t> Core - 2.1</a:t>
             </a:r>
           </a:p>
           <a:p>
@@ -10549,7 +10549,7 @@
             </a:r>
             <a:r>
               <a:rPr lang="en-US" sz="2000" dirty="0"/>
-              <a:t>-net</a:t>
+              <a:t>-net – 1.5</a:t>
             </a:r>
           </a:p>
         </p:txBody>
